--- a/Presentations/LightUp 2020/dbatools and Power BI walked into a bar.pptx
+++ b/Presentations/LightUp 2020/dbatools and Power BI walked into a bar.pptx
@@ -13,7 +13,7 @@
   <p:sldIdLst>
     <p:sldId id="282" r:id="rId5"/>
     <p:sldId id="283" r:id="rId6"/>
-    <p:sldId id="285" r:id="rId7"/>
+    <p:sldId id="1483" r:id="rId7"/>
     <p:sldId id="289" r:id="rId8"/>
     <p:sldId id="290" r:id="rId9"/>
     <p:sldId id="1480" r:id="rId10"/>
@@ -356,7 +356,7 @@
             <a:fld id="{43D3AC2E-69EF-4AFC-8215-D3DDC76F0137}" type="datetimeFigureOut">
               <a:rPr lang="en-US" altLang="en-US"/>
               <a:pPr/>
-              <a:t>12-Jul-20</a:t>
+              <a:t>14-Jul-20</a:t>
             </a:fld>
             <a:endParaRPr lang="en-US" altLang="en-US"/>
           </a:p>
@@ -1004,7 +1004,7 @@
                 </a:solidFill>
                 <a:latin typeface="Arial" panose="020B0604020202020204" pitchFamily="34" charset="0"/>
               </a:rPr>
-              <a:t>o leverage on SQL Server Power BI Report Server if you already have on in place (be aware because can have costs depending on your licensing)</a:t>
+              <a:t>o leverage on SQL Server Power BI Report Server if you already have one in place (be aware because can have costs depending on your licensing)</a:t>
             </a:r>
             <a:endParaRPr lang="en-US" sz="1200" b="0" i="0" dirty="0">
               <a:solidFill>
@@ -5652,8 +5652,8 @@
         </p:nvSpPr>
         <p:spPr>
           <a:xfrm>
-            <a:off x="3264883" y="7553580"/>
-            <a:ext cx="17854247" cy="2718693"/>
+            <a:off x="3346638" y="7553580"/>
+            <a:ext cx="17690740" cy="2718693"/>
           </a:xfrm>
           <a:prstGeom prst="rect">
             <a:avLst/>
@@ -5767,7 +5767,45 @@
                 <a:cs typeface="+mn-cs"/>
                 <a:sym typeface="Roboto Regular"/>
               </a:rPr>
-              <a:t>Cláudio Silva – SQL Server DBA &amp; PowerShell lover</a:t>
+              <a:t>Cláudio Silva – SQL Server </a:t>
+            </a:r>
+            <a:r>
+              <a:rPr kumimoji="0" lang="en-US" sz="8000" b="0" i="0" u="none" strike="noStrike" cap="none" spc="0" normalizeH="0" baseline="40000">
+                <a:ln>
+                  <a:noFill/>
+                </a:ln>
+                <a:solidFill>
+                  <a:schemeClr val="accent6">
+                    <a:lumMod val="75000"/>
+                  </a:schemeClr>
+                </a:solidFill>
+                <a:effectLst/>
+                <a:uFillTx/>
+                <a:latin typeface="+mn-lt"/>
+                <a:ea typeface="+mn-ea"/>
+                <a:cs typeface="+mn-cs"/>
+                <a:sym typeface="Roboto Regular"/>
+              </a:rPr>
+              <a:t>DBA &amp; </a:t>
+            </a:r>
+            <a:r>
+              <a:rPr kumimoji="0" lang="en-US" sz="8000" b="0" i="0" u="none" strike="noStrike" cap="none" spc="0" normalizeH="0" baseline="40000" dirty="0">
+                <a:ln>
+                  <a:noFill/>
+                </a:ln>
+                <a:solidFill>
+                  <a:schemeClr val="accent6">
+                    <a:lumMod val="75000"/>
+                  </a:schemeClr>
+                </a:solidFill>
+                <a:effectLst/>
+                <a:uFillTx/>
+                <a:latin typeface="+mn-lt"/>
+                <a:ea typeface="+mn-ea"/>
+                <a:cs typeface="+mn-cs"/>
+                <a:sym typeface="Roboto Regular"/>
+              </a:rPr>
+              <a:t>PowerShell lover</a:t>
             </a:r>
           </a:p>
           <a:p>
@@ -6677,7 +6715,27 @@
                   </a:schemeClr>
                 </a:solidFill>
               </a:rPr>
-              <a:t> - </a:t>
+              <a:t> </a:t>
+            </a:r>
+            <a:r>
+              <a:rPr lang="pt-PT" sz="7200" dirty="0">
+                <a:solidFill>
+                  <a:schemeClr val="tx2">
+                    <a:lumMod val="10000"/>
+                  </a:schemeClr>
+                </a:solidFill>
+              </a:rPr>
+              <a:t>-</a:t>
+            </a:r>
+            <a:r>
+              <a:rPr lang="pt-PT" sz="7200" b="1" dirty="0">
+                <a:solidFill>
+                  <a:schemeClr val="tx2">
+                    <a:lumMod val="10000"/>
+                  </a:schemeClr>
+                </a:solidFill>
+              </a:rPr>
+              <a:t> </a:t>
             </a:r>
             <a:r>
               <a:rPr lang="pt-PT" sz="7200" dirty="0" err="1">
@@ -24855,6 +24913,529 @@
         </p:nvSpPr>
         <p:spPr>
           <a:xfrm>
+            <a:off x="567951" y="710450"/>
+            <a:ext cx="10367402" cy="1744067"/>
+          </a:xfrm>
+          <a:prstGeom prst="rect">
+            <a:avLst/>
+          </a:prstGeom>
+          <a:noFill/>
+          <a:ln w="12700" cap="flat">
+            <a:noFill/>
+            <a:miter lim="400000"/>
+          </a:ln>
+          <a:effectLst/>
+          <a:sp3d/>
+        </p:spPr>
+        <p:style>
+          <a:lnRef idx="0">
+            <a:scrgbClr r="0" g="0" b="0"/>
+          </a:lnRef>
+          <a:fillRef idx="0">
+            <a:scrgbClr r="0" g="0" b="0"/>
+          </a:fillRef>
+          <a:effectRef idx="0">
+            <a:scrgbClr r="0" g="0" b="0"/>
+          </a:effectRef>
+          <a:fontRef idx="none"/>
+        </p:style>
+        <p:txBody>
+          <a:bodyPr rot="0" spcFirstLastPara="1" vertOverflow="overflow" horzOverflow="overflow" vert="horz" wrap="square" lIns="50800" tIns="50800" rIns="50800" bIns="50800" numCol="1" spcCol="38100" rtlCol="0" anchor="ctr">
+            <a:spAutoFit/>
+          </a:bodyPr>
+          <a:lstStyle/>
+          <a:p>
+            <a:pPr algn="ctr"/>
+            <a:r>
+              <a:rPr lang="en-US" sz="16000" dirty="0">
+                <a:solidFill>
+                  <a:schemeClr val="accent6">
+                    <a:lumMod val="75000"/>
+                  </a:schemeClr>
+                </a:solidFill>
+              </a:rPr>
+              <a:t>    </a:t>
+            </a:r>
+            <a:endParaRPr lang="en-US" sz="16000">
+              <a:solidFill>
+                <a:schemeClr val="accent6">
+                  <a:lumMod val="75000"/>
+                </a:schemeClr>
+              </a:solidFill>
+            </a:endParaRPr>
+          </a:p>
+        </p:txBody>
+      </p:sp>
+      <p:pic>
+        <p:nvPicPr>
+          <p:cNvPr id="30722" name="Picture 2" descr="MCN Solutions">
+            <a:extLst>
+              <a:ext uri="{FF2B5EF4-FFF2-40B4-BE49-F238E27FC236}">
+                <a16:creationId xmlns:a16="http://schemas.microsoft.com/office/drawing/2014/main" id="{D5D430B5-D4B5-4C29-8C2E-34A90607266D}"/>
+              </a:ext>
+            </a:extLst>
+          </p:cNvPr>
+          <p:cNvPicPr>
+            <a:picLocks noChangeAspect="1" noChangeArrowheads="1"/>
+          </p:cNvPicPr>
+          <p:nvPr/>
+        </p:nvPicPr>
+        <p:blipFill>
+          <a:blip r:embed="rId2">
+            <a:extLst>
+              <a:ext uri="{28A0092B-C50C-407E-A947-70E740481C1C}">
+                <a14:useLocalDpi xmlns:a14="http://schemas.microsoft.com/office/drawing/2010/main" val="0"/>
+              </a:ext>
+            </a:extLst>
+          </a:blip>
+          <a:srcRect/>
+          <a:stretch>
+            <a:fillRect/>
+          </a:stretch>
+        </p:blipFill>
+        <p:spPr bwMode="auto">
+          <a:xfrm>
+            <a:off x="1585796" y="3274665"/>
+            <a:ext cx="5696064" cy="1286818"/>
+          </a:xfrm>
+          <a:prstGeom prst="rect">
+            <a:avLst/>
+          </a:prstGeom>
+          <a:noFill/>
+          <a:extLst>
+            <a:ext uri="{909E8E84-426E-40DD-AFC4-6F175D3DCCD1}">
+              <a14:hiddenFill xmlns:a14="http://schemas.microsoft.com/office/drawing/2010/main">
+                <a:solidFill>
+                  <a:srgbClr val="FFFFFF"/>
+                </a:solidFill>
+              </a14:hiddenFill>
+            </a:ext>
+          </a:extLst>
+        </p:spPr>
+      </p:pic>
+      <p:pic>
+        <p:nvPicPr>
+          <p:cNvPr id="30724" name="Picture 4" descr="Mindcracker">
+            <a:extLst>
+              <a:ext uri="{FF2B5EF4-FFF2-40B4-BE49-F238E27FC236}">
+                <a16:creationId xmlns:a16="http://schemas.microsoft.com/office/drawing/2014/main" id="{43ED3E9F-CEB2-4956-99D2-492596E1F7E2}"/>
+              </a:ext>
+            </a:extLst>
+          </p:cNvPr>
+          <p:cNvPicPr>
+            <a:picLocks noChangeAspect="1" noChangeArrowheads="1"/>
+          </p:cNvPicPr>
+          <p:nvPr/>
+        </p:nvPicPr>
+        <p:blipFill>
+          <a:blip r:embed="rId3">
+            <a:extLst>
+              <a:ext uri="{28A0092B-C50C-407E-A947-70E740481C1C}">
+                <a14:useLocalDpi xmlns:a14="http://schemas.microsoft.com/office/drawing/2010/main" val="0"/>
+              </a:ext>
+            </a:extLst>
+          </a:blip>
+          <a:srcRect/>
+          <a:stretch>
+            <a:fillRect/>
+          </a:stretch>
+        </p:blipFill>
+        <p:spPr bwMode="auto">
+          <a:xfrm>
+            <a:off x="8939267" y="2963322"/>
+            <a:ext cx="5474154" cy="1598160"/>
+          </a:xfrm>
+          <a:prstGeom prst="rect">
+            <a:avLst/>
+          </a:prstGeom>
+          <a:noFill/>
+          <a:extLst>
+            <a:ext uri="{909E8E84-426E-40DD-AFC4-6F175D3DCCD1}">
+              <a14:hiddenFill xmlns:a14="http://schemas.microsoft.com/office/drawing/2010/main">
+                <a:solidFill>
+                  <a:srgbClr val="FFFFFF"/>
+                </a:solidFill>
+              </a14:hiddenFill>
+            </a:ext>
+          </a:extLst>
+        </p:spPr>
+      </p:pic>
+      <p:pic>
+        <p:nvPicPr>
+          <p:cNvPr id="30726" name="Picture 6" descr="Graphite">
+            <a:extLst>
+              <a:ext uri="{FF2B5EF4-FFF2-40B4-BE49-F238E27FC236}">
+                <a16:creationId xmlns:a16="http://schemas.microsoft.com/office/drawing/2014/main" id="{DAFF5001-D051-4F55-9B2E-45396B4FF0CF}"/>
+              </a:ext>
+            </a:extLst>
+          </p:cNvPr>
+          <p:cNvPicPr>
+            <a:picLocks noChangeAspect="1" noChangeArrowheads="1"/>
+          </p:cNvPicPr>
+          <p:nvPr/>
+        </p:nvPicPr>
+        <p:blipFill>
+          <a:blip r:embed="rId4">
+            <a:extLst>
+              <a:ext uri="{28A0092B-C50C-407E-A947-70E740481C1C}">
+                <a14:useLocalDpi xmlns:a14="http://schemas.microsoft.com/office/drawing/2010/main" val="0"/>
+              </a:ext>
+            </a:extLst>
+          </a:blip>
+          <a:srcRect/>
+          <a:stretch>
+            <a:fillRect/>
+          </a:stretch>
+        </p:blipFill>
+        <p:spPr bwMode="auto">
+          <a:xfrm>
+            <a:off x="16380315" y="3597885"/>
+            <a:ext cx="6209846" cy="963598"/>
+          </a:xfrm>
+          <a:prstGeom prst="rect">
+            <a:avLst/>
+          </a:prstGeom>
+          <a:noFill/>
+          <a:extLst>
+            <a:ext uri="{909E8E84-426E-40DD-AFC4-6F175D3DCCD1}">
+              <a14:hiddenFill xmlns:a14="http://schemas.microsoft.com/office/drawing/2010/main">
+                <a:solidFill>
+                  <a:srgbClr val="FFFFFF"/>
+                </a:solidFill>
+              </a14:hiddenFill>
+            </a:ext>
+          </a:extLst>
+        </p:spPr>
+      </p:pic>
+      <p:sp>
+        <p:nvSpPr>
+          <p:cNvPr id="3" name="TextBox 2">
+            <a:extLst>
+              <a:ext uri="{FF2B5EF4-FFF2-40B4-BE49-F238E27FC236}">
+                <a16:creationId xmlns:a16="http://schemas.microsoft.com/office/drawing/2014/main" id="{D8590E3E-D4CA-4CE6-A155-19D92AD86364}"/>
+              </a:ext>
+            </a:extLst>
+          </p:cNvPr>
+          <p:cNvSpPr txBox="1"/>
+          <p:nvPr/>
+        </p:nvSpPr>
+        <p:spPr>
+          <a:xfrm>
+            <a:off x="15243975" y="11845738"/>
+            <a:ext cx="5992586" cy="1005403"/>
+          </a:xfrm>
+          <a:prstGeom prst="rect">
+            <a:avLst/>
+          </a:prstGeom>
+          <a:noFill/>
+          <a:ln w="12700" cap="flat">
+            <a:noFill/>
+            <a:miter lim="400000"/>
+          </a:ln>
+          <a:effectLst/>
+          <a:sp3d/>
+        </p:spPr>
+        <p:style>
+          <a:lnRef idx="0">
+            <a:scrgbClr r="0" g="0" b="0"/>
+          </a:lnRef>
+          <a:fillRef idx="0">
+            <a:scrgbClr r="0" g="0" b="0"/>
+          </a:fillRef>
+          <a:effectRef idx="0">
+            <a:scrgbClr r="0" g="0" b="0"/>
+          </a:effectRef>
+          <a:fontRef idx="none"/>
+        </p:style>
+        <p:txBody>
+          <a:bodyPr rot="0" spcFirstLastPara="1" vertOverflow="overflow" horzOverflow="overflow" vert="horz" wrap="square" lIns="50800" tIns="50800" rIns="50800" bIns="50800" numCol="1" spcCol="38100" rtlCol="0" anchor="ctr">
+            <a:spAutoFit/>
+          </a:bodyPr>
+          <a:lstStyle/>
+          <a:p>
+            <a:pPr algn="ctr"/>
+            <a:r>
+              <a:rPr lang="en-US" sz="8800" b="1">
+                <a:solidFill>
+                  <a:schemeClr val="accent6">
+                    <a:lumMod val="75000"/>
+                  </a:schemeClr>
+                </a:solidFill>
+                <a:latin typeface="+mj-lt"/>
+              </a:rPr>
+              <a:t>Powered By</a:t>
+            </a:r>
+          </a:p>
+        </p:txBody>
+      </p:sp>
+      <p:pic>
+        <p:nvPicPr>
+          <p:cNvPr id="4" name="Picture 2" descr="C# Corner">
+            <a:extLst>
+              <a:ext uri="{FF2B5EF4-FFF2-40B4-BE49-F238E27FC236}">
+                <a16:creationId xmlns:a16="http://schemas.microsoft.com/office/drawing/2014/main" id="{CBEBE803-1618-47EE-9516-C4E9696DA217}"/>
+              </a:ext>
+            </a:extLst>
+          </p:cNvPr>
+          <p:cNvPicPr>
+            <a:picLocks noChangeAspect="1" noChangeArrowheads="1"/>
+          </p:cNvPicPr>
+          <p:nvPr/>
+        </p:nvPicPr>
+        <p:blipFill>
+          <a:blip r:embed="rId5">
+            <a:extLst>
+              <a:ext uri="{28A0092B-C50C-407E-A947-70E740481C1C}">
+                <a14:useLocalDpi xmlns:a14="http://schemas.microsoft.com/office/drawing/2010/main" val="0"/>
+              </a:ext>
+            </a:extLst>
+          </a:blip>
+          <a:srcRect/>
+          <a:stretch>
+            <a:fillRect/>
+          </a:stretch>
+        </p:blipFill>
+        <p:spPr bwMode="auto">
+          <a:xfrm>
+            <a:off x="13347572" y="12533628"/>
+            <a:ext cx="4677284" cy="954168"/>
+          </a:xfrm>
+          <a:prstGeom prst="rect">
+            <a:avLst/>
+          </a:prstGeom>
+          <a:noFill/>
+          <a:extLst>
+            <a:ext uri="{909E8E84-426E-40DD-AFC4-6F175D3DCCD1}">
+              <a14:hiddenFill xmlns:a14="http://schemas.microsoft.com/office/drawing/2010/main">
+                <a:solidFill>
+                  <a:srgbClr val="FFFFFF"/>
+                </a:solidFill>
+              </a14:hiddenFill>
+            </a:ext>
+          </a:extLst>
+        </p:spPr>
+      </p:pic>
+      <p:pic>
+        <p:nvPicPr>
+          <p:cNvPr id="7" name="Picture 6" descr="A picture containing drawing, plate&#10;&#10;Description automatically generated">
+            <a:extLst>
+              <a:ext uri="{FF2B5EF4-FFF2-40B4-BE49-F238E27FC236}">
+                <a16:creationId xmlns:a16="http://schemas.microsoft.com/office/drawing/2014/main" id="{294B1C79-DC54-467F-85CE-C5E4D1B4FD1E}"/>
+              </a:ext>
+            </a:extLst>
+          </p:cNvPr>
+          <p:cNvPicPr>
+            <a:picLocks noChangeAspect="1"/>
+          </p:cNvPicPr>
+          <p:nvPr/>
+        </p:nvPicPr>
+        <p:blipFill>
+          <a:blip r:embed="rId6">
+            <a:extLst>
+              <a:ext uri="{28A0092B-C50C-407E-A947-70E740481C1C}">
+                <a14:useLocalDpi xmlns:a14="http://schemas.microsoft.com/office/drawing/2010/main" val="0"/>
+              </a:ext>
+            </a:extLst>
+          </a:blip>
+          <a:stretch>
+            <a:fillRect/>
+          </a:stretch>
+        </p:blipFill>
+        <p:spPr>
+          <a:xfrm>
+            <a:off x="493001" y="6585231"/>
+            <a:ext cx="7294986" cy="2596522"/>
+          </a:xfrm>
+          <a:prstGeom prst="rect">
+            <a:avLst/>
+          </a:prstGeom>
+        </p:spPr>
+      </p:pic>
+      <p:pic>
+        <p:nvPicPr>
+          <p:cNvPr id="29698" name="Picture 2" descr="007LogoXSmall">
+            <a:extLst>
+              <a:ext uri="{FF2B5EF4-FFF2-40B4-BE49-F238E27FC236}">
+                <a16:creationId xmlns:a16="http://schemas.microsoft.com/office/drawing/2014/main" id="{7EB558E5-A2C3-4A0E-BC65-3162CCC5F7E7}"/>
+              </a:ext>
+            </a:extLst>
+          </p:cNvPr>
+          <p:cNvPicPr>
+            <a:picLocks noChangeAspect="1" noChangeArrowheads="1"/>
+          </p:cNvPicPr>
+          <p:nvPr/>
+        </p:nvPicPr>
+        <p:blipFill>
+          <a:blip r:embed="rId7">
+            <a:extLst>
+              <a:ext uri="{28A0092B-C50C-407E-A947-70E740481C1C}">
+                <a14:useLocalDpi xmlns:a14="http://schemas.microsoft.com/office/drawing/2010/main" val="0"/>
+              </a:ext>
+            </a:extLst>
+          </a:blip>
+          <a:srcRect/>
+          <a:stretch>
+            <a:fillRect/>
+          </a:stretch>
+        </p:blipFill>
+        <p:spPr bwMode="auto">
+          <a:xfrm>
+            <a:off x="18024856" y="6491471"/>
+            <a:ext cx="4113824" cy="4063190"/>
+          </a:xfrm>
+          <a:prstGeom prst="rect">
+            <a:avLst/>
+          </a:prstGeom>
+          <a:noFill/>
+          <a:extLst>
+            <a:ext uri="{909E8E84-426E-40DD-AFC4-6F175D3DCCD1}">
+              <a14:hiddenFill xmlns:a14="http://schemas.microsoft.com/office/drawing/2010/main">
+                <a:solidFill>
+                  <a:srgbClr val="FFFFFF"/>
+                </a:solidFill>
+              </a14:hiddenFill>
+            </a:ext>
+          </a:extLst>
+        </p:spPr>
+      </p:pic>
+      <p:pic>
+        <p:nvPicPr>
+          <p:cNvPr id="2050" name="Picture 2">
+            <a:extLst>
+              <a:ext uri="{FF2B5EF4-FFF2-40B4-BE49-F238E27FC236}">
+                <a16:creationId xmlns:a16="http://schemas.microsoft.com/office/drawing/2014/main" id="{3518EE61-E2B5-4DBB-9CEF-1970E9D3D78C}"/>
+              </a:ext>
+            </a:extLst>
+          </p:cNvPr>
+          <p:cNvPicPr>
+            <a:picLocks noChangeAspect="1" noChangeArrowheads="1"/>
+          </p:cNvPicPr>
+          <p:nvPr/>
+        </p:nvPicPr>
+        <p:blipFill>
+          <a:blip r:embed="rId8">
+            <a:extLst>
+              <a:ext uri="{28A0092B-C50C-407E-A947-70E740481C1C}">
+                <a14:useLocalDpi xmlns:a14="http://schemas.microsoft.com/office/drawing/2010/main" val="0"/>
+              </a:ext>
+            </a:extLst>
+          </a:blip>
+          <a:srcRect/>
+          <a:stretch>
+            <a:fillRect/>
+          </a:stretch>
+        </p:blipFill>
+        <p:spPr bwMode="auto">
+          <a:xfrm>
+            <a:off x="5626318" y="8523066"/>
+            <a:ext cx="10753996" cy="3619500"/>
+          </a:xfrm>
+          <a:prstGeom prst="rect">
+            <a:avLst/>
+          </a:prstGeom>
+          <a:noFill/>
+          <a:extLst>
+            <a:ext uri="{909E8E84-426E-40DD-AFC4-6F175D3DCCD1}">
+              <a14:hiddenFill xmlns:a14="http://schemas.microsoft.com/office/drawing/2010/main">
+                <a:solidFill>
+                  <a:srgbClr val="FFFFFF"/>
+                </a:solidFill>
+              </a14:hiddenFill>
+            </a:ext>
+          </a:extLst>
+        </p:spPr>
+      </p:pic>
+      <p:pic>
+        <p:nvPicPr>
+          <p:cNvPr id="8" name="Picture 7" descr="C# Corner">
+            <a:extLst>
+              <a:ext uri="{FF2B5EF4-FFF2-40B4-BE49-F238E27FC236}">
+                <a16:creationId xmlns:a16="http://schemas.microsoft.com/office/drawing/2014/main" id="{068996BB-FA2E-4CC7-A6CC-AA635D1DE75A}"/>
+              </a:ext>
+            </a:extLst>
+          </p:cNvPr>
+          <p:cNvPicPr>
+            <a:picLocks noChangeAspect="1" noChangeArrowheads="1"/>
+          </p:cNvPicPr>
+          <p:nvPr/>
+        </p:nvPicPr>
+        <p:blipFill>
+          <a:blip r:embed="rId9">
+            <a:extLst>
+              <a:ext uri="{28A0092B-C50C-407E-A947-70E740481C1C}">
+                <a14:useLocalDpi xmlns:a14="http://schemas.microsoft.com/office/drawing/2010/main" val="0"/>
+              </a:ext>
+            </a:extLst>
+          </a:blip>
+          <a:srcRect/>
+          <a:stretch>
+            <a:fillRect/>
+          </a:stretch>
+        </p:blipFill>
+        <p:spPr bwMode="auto">
+          <a:xfrm>
+            <a:off x="18571386" y="12484650"/>
+            <a:ext cx="5320608" cy="1085404"/>
+          </a:xfrm>
+          <a:prstGeom prst="rect">
+            <a:avLst/>
+          </a:prstGeom>
+          <a:noFill/>
+          <a:extLst>
+            <a:ext uri="{909E8E84-426E-40DD-AFC4-6F175D3DCCD1}">
+              <a14:hiddenFill xmlns:a14="http://schemas.microsoft.com/office/drawing/2010/main">
+                <a:solidFill>
+                  <a:srgbClr val="FFFFFF"/>
+                </a:solidFill>
+              </a14:hiddenFill>
+            </a:ext>
+          </a:extLst>
+        </p:spPr>
+      </p:pic>
+      <p:pic>
+        <p:nvPicPr>
+          <p:cNvPr id="5" name="Picture 5" descr="A close up of a logo&#10;&#10;Description automatically generated">
+            <a:extLst>
+              <a:ext uri="{FF2B5EF4-FFF2-40B4-BE49-F238E27FC236}">
+                <a16:creationId xmlns:a16="http://schemas.microsoft.com/office/drawing/2014/main" id="{7A5E79A6-3892-4562-A32E-08C05D3A1A1B}"/>
+              </a:ext>
+            </a:extLst>
+          </p:cNvPr>
+          <p:cNvPicPr>
+            <a:picLocks noChangeAspect="1"/>
+          </p:cNvPicPr>
+          <p:nvPr/>
+        </p:nvPicPr>
+        <p:blipFill>
+          <a:blip r:embed="rId10"/>
+          <a:stretch>
+            <a:fillRect/>
+          </a:stretch>
+        </p:blipFill>
+        <p:spPr>
+          <a:xfrm>
+            <a:off x="8777680" y="5775344"/>
+            <a:ext cx="3235356" cy="3619408"/>
+          </a:xfrm>
+          <a:prstGeom prst="rect">
+            <a:avLst/>
+          </a:prstGeom>
+        </p:spPr>
+      </p:pic>
+      <p:sp>
+        <p:nvSpPr>
+          <p:cNvPr id="13" name="TextBox 12">
+            <a:extLst>
+              <a:ext uri="{FF2B5EF4-FFF2-40B4-BE49-F238E27FC236}">
+                <a16:creationId xmlns:a16="http://schemas.microsoft.com/office/drawing/2014/main" id="{9346C568-22D5-4BF7-8E2F-7FEDA6A70834}"/>
+              </a:ext>
+            </a:extLst>
+          </p:cNvPr>
+          <p:cNvSpPr txBox="1"/>
+          <p:nvPr/>
+        </p:nvSpPr>
+        <p:spPr>
+          <a:xfrm>
             <a:off x="-749873" y="1149484"/>
             <a:ext cx="10367401" cy="2144177"/>
           </a:xfrm>
@@ -24935,412 +25516,10 @@
           </a:p>
         </p:txBody>
       </p:sp>
-      <p:pic>
-        <p:nvPicPr>
-          <p:cNvPr id="30722" name="Picture 2" descr="MCN Solutions">
-            <a:extLst>
-              <a:ext uri="{FF2B5EF4-FFF2-40B4-BE49-F238E27FC236}">
-                <a16:creationId xmlns:a16="http://schemas.microsoft.com/office/drawing/2014/main" id="{D5D430B5-D4B5-4C29-8C2E-34A90607266D}"/>
-              </a:ext>
-            </a:extLst>
-          </p:cNvPr>
-          <p:cNvPicPr>
-            <a:picLocks noChangeAspect="1" noChangeArrowheads="1"/>
-          </p:cNvPicPr>
-          <p:nvPr/>
-        </p:nvPicPr>
-        <p:blipFill>
-          <a:blip r:embed="rId2">
-            <a:extLst>
-              <a:ext uri="{28A0092B-C50C-407E-A947-70E740481C1C}">
-                <a14:useLocalDpi xmlns:a14="http://schemas.microsoft.com/office/drawing/2010/main" val="0"/>
-              </a:ext>
-            </a:extLst>
-          </a:blip>
-          <a:srcRect/>
-          <a:stretch>
-            <a:fillRect/>
-          </a:stretch>
-        </p:blipFill>
-        <p:spPr bwMode="auto">
-          <a:xfrm>
-            <a:off x="1585795" y="3274664"/>
-            <a:ext cx="5696064" cy="1161997"/>
-          </a:xfrm>
-          <a:prstGeom prst="rect">
-            <a:avLst/>
-          </a:prstGeom>
-          <a:noFill/>
-          <a:extLst>
-            <a:ext uri="{909E8E84-426E-40DD-AFC4-6F175D3DCCD1}">
-              <a14:hiddenFill xmlns:a14="http://schemas.microsoft.com/office/drawing/2010/main">
-                <a:solidFill>
-                  <a:srgbClr val="FFFFFF"/>
-                </a:solidFill>
-              </a14:hiddenFill>
-            </a:ext>
-          </a:extLst>
-        </p:spPr>
-      </p:pic>
-      <p:pic>
-        <p:nvPicPr>
-          <p:cNvPr id="30724" name="Picture 4" descr="Mindcracker">
-            <a:extLst>
-              <a:ext uri="{FF2B5EF4-FFF2-40B4-BE49-F238E27FC236}">
-                <a16:creationId xmlns:a16="http://schemas.microsoft.com/office/drawing/2014/main" id="{43ED3E9F-CEB2-4956-99D2-492596E1F7E2}"/>
-              </a:ext>
-            </a:extLst>
-          </p:cNvPr>
-          <p:cNvPicPr>
-            <a:picLocks noChangeAspect="1" noChangeArrowheads="1"/>
-          </p:cNvPicPr>
-          <p:nvPr/>
-        </p:nvPicPr>
-        <p:blipFill>
-          <a:blip r:embed="rId3">
-            <a:extLst>
-              <a:ext uri="{28A0092B-C50C-407E-A947-70E740481C1C}">
-                <a14:useLocalDpi xmlns:a14="http://schemas.microsoft.com/office/drawing/2010/main" val="0"/>
-              </a:ext>
-            </a:extLst>
-          </a:blip>
-          <a:srcRect/>
-          <a:stretch>
-            <a:fillRect/>
-          </a:stretch>
-        </p:blipFill>
-        <p:spPr bwMode="auto">
-          <a:xfrm>
-            <a:off x="8939266" y="2963321"/>
-            <a:ext cx="5474154" cy="1598159"/>
-          </a:xfrm>
-          <a:prstGeom prst="rect">
-            <a:avLst/>
-          </a:prstGeom>
-          <a:noFill/>
-          <a:extLst>
-            <a:ext uri="{909E8E84-426E-40DD-AFC4-6F175D3DCCD1}">
-              <a14:hiddenFill xmlns:a14="http://schemas.microsoft.com/office/drawing/2010/main">
-                <a:solidFill>
-                  <a:srgbClr val="FFFFFF"/>
-                </a:solidFill>
-              </a14:hiddenFill>
-            </a:ext>
-          </a:extLst>
-        </p:spPr>
-      </p:pic>
-      <p:pic>
-        <p:nvPicPr>
-          <p:cNvPr id="30726" name="Picture 6" descr="Graphite">
-            <a:extLst>
-              <a:ext uri="{FF2B5EF4-FFF2-40B4-BE49-F238E27FC236}">
-                <a16:creationId xmlns:a16="http://schemas.microsoft.com/office/drawing/2014/main" id="{DAFF5001-D051-4F55-9B2E-45396B4FF0CF}"/>
-              </a:ext>
-            </a:extLst>
-          </p:cNvPr>
-          <p:cNvPicPr>
-            <a:picLocks noChangeAspect="1" noChangeArrowheads="1"/>
-          </p:cNvPicPr>
-          <p:nvPr/>
-        </p:nvPicPr>
-        <p:blipFill>
-          <a:blip r:embed="rId4">
-            <a:extLst>
-              <a:ext uri="{28A0092B-C50C-407E-A947-70E740481C1C}">
-                <a14:useLocalDpi xmlns:a14="http://schemas.microsoft.com/office/drawing/2010/main" val="0"/>
-              </a:ext>
-            </a:extLst>
-          </a:blip>
-          <a:srcRect/>
-          <a:stretch>
-            <a:fillRect/>
-          </a:stretch>
-        </p:blipFill>
-        <p:spPr bwMode="auto">
-          <a:xfrm>
-            <a:off x="16421554" y="3429000"/>
-            <a:ext cx="6209846" cy="963597"/>
-          </a:xfrm>
-          <a:prstGeom prst="rect">
-            <a:avLst/>
-          </a:prstGeom>
-          <a:noFill/>
-          <a:extLst>
-            <a:ext uri="{909E8E84-426E-40DD-AFC4-6F175D3DCCD1}">
-              <a14:hiddenFill xmlns:a14="http://schemas.microsoft.com/office/drawing/2010/main">
-                <a:solidFill>
-                  <a:srgbClr val="FFFFFF"/>
-                </a:solidFill>
-              </a14:hiddenFill>
-            </a:ext>
-          </a:extLst>
-        </p:spPr>
-      </p:pic>
-      <p:sp>
-        <p:nvSpPr>
-          <p:cNvPr id="3" name="TextBox 2">
-            <a:extLst>
-              <a:ext uri="{FF2B5EF4-FFF2-40B4-BE49-F238E27FC236}">
-                <a16:creationId xmlns:a16="http://schemas.microsoft.com/office/drawing/2014/main" id="{D8590E3E-D4CA-4CE6-A155-19D92AD86364}"/>
-              </a:ext>
-            </a:extLst>
-          </p:cNvPr>
-          <p:cNvSpPr txBox="1"/>
-          <p:nvPr/>
-        </p:nvSpPr>
-        <p:spPr>
-          <a:xfrm>
-            <a:off x="17606475" y="12040960"/>
-            <a:ext cx="5992586" cy="779701"/>
-          </a:xfrm>
-          <a:prstGeom prst="rect">
-            <a:avLst/>
-          </a:prstGeom>
-          <a:noFill/>
-          <a:ln w="12700" cap="flat">
-            <a:noFill/>
-            <a:miter lim="400000"/>
-          </a:ln>
-          <a:effectLst/>
-          <a:sp3d/>
-        </p:spPr>
-        <p:style>
-          <a:lnRef idx="0">
-            <a:scrgbClr r="0" g="0" b="0"/>
-          </a:lnRef>
-          <a:fillRef idx="0">
-            <a:scrgbClr r="0" g="0" b="0"/>
-          </a:fillRef>
-          <a:effectRef idx="0">
-            <a:scrgbClr r="0" g="0" b="0"/>
-          </a:effectRef>
-          <a:fontRef idx="none"/>
-        </p:style>
-        <p:txBody>
-          <a:bodyPr rot="0" spcFirstLastPara="1" vertOverflow="overflow" horzOverflow="overflow" vert="horz" wrap="square" lIns="50800" tIns="50800" rIns="50800" bIns="50800" numCol="1" spcCol="38100" rtlCol="0" anchor="ctr">
-            <a:spAutoFit/>
-          </a:bodyPr>
-          <a:lstStyle/>
-          <a:p>
-            <a:pPr marL="0" marR="0" indent="0" algn="ctr" defTabSz="825500" rtl="0" fontAlgn="auto" latinLnBrk="0" hangingPunct="0">
-              <a:lnSpc>
-                <a:spcPct val="100000"/>
-              </a:lnSpc>
-              <a:spcBef>
-                <a:spcPts val="0"/>
-              </a:spcBef>
-              <a:spcAft>
-                <a:spcPts val="0"/>
-              </a:spcAft>
-              <a:buClrTx/>
-              <a:buSzTx/>
-              <a:buFontTx/>
-              <a:buNone/>
-              <a:tabLst/>
-            </a:pPr>
-            <a:r>
-              <a:rPr kumimoji="0" lang="en-US" sz="6600" b="0" i="0" u="none" strike="noStrike" cap="none" spc="0" normalizeH="0" baseline="40000" dirty="0">
-                <a:ln>
-                  <a:noFill/>
-                </a:ln>
-                <a:solidFill>
-                  <a:schemeClr val="accent6">
-                    <a:lumMod val="75000"/>
-                  </a:schemeClr>
-                </a:solidFill>
-                <a:effectLst/>
-                <a:uFillTx/>
-                <a:latin typeface="+mj-lt"/>
-                <a:ea typeface="+mn-ea"/>
-                <a:cs typeface="+mn-cs"/>
-                <a:sym typeface="Roboto Regular"/>
-              </a:rPr>
-              <a:t>Powered By</a:t>
-            </a:r>
-          </a:p>
-        </p:txBody>
-      </p:sp>
-      <p:pic>
-        <p:nvPicPr>
-          <p:cNvPr id="4" name="Picture 2" descr="C# Corner">
-            <a:extLst>
-              <a:ext uri="{FF2B5EF4-FFF2-40B4-BE49-F238E27FC236}">
-                <a16:creationId xmlns:a16="http://schemas.microsoft.com/office/drawing/2014/main" id="{CBEBE803-1618-47EE-9516-C4E9696DA217}"/>
-              </a:ext>
-            </a:extLst>
-          </p:cNvPr>
-          <p:cNvPicPr>
-            <a:picLocks noChangeAspect="1" noChangeArrowheads="1"/>
-          </p:cNvPicPr>
-          <p:nvPr/>
-        </p:nvPicPr>
-        <p:blipFill>
-          <a:blip r:embed="rId5">
-            <a:extLst>
-              <a:ext uri="{28A0092B-C50C-407E-A947-70E740481C1C}">
-                <a14:useLocalDpi xmlns:a14="http://schemas.microsoft.com/office/drawing/2010/main" val="0"/>
-              </a:ext>
-            </a:extLst>
-          </a:blip>
-          <a:srcRect/>
-          <a:stretch>
-            <a:fillRect/>
-          </a:stretch>
-        </p:blipFill>
-        <p:spPr bwMode="auto">
-          <a:xfrm>
-            <a:off x="15727713" y="12681171"/>
-            <a:ext cx="3757523" cy="766535"/>
-          </a:xfrm>
-          <a:prstGeom prst="rect">
-            <a:avLst/>
-          </a:prstGeom>
-          <a:noFill/>
-          <a:extLst>
-            <a:ext uri="{909E8E84-426E-40DD-AFC4-6F175D3DCCD1}">
-              <a14:hiddenFill xmlns:a14="http://schemas.microsoft.com/office/drawing/2010/main">
-                <a:solidFill>
-                  <a:srgbClr val="FFFFFF"/>
-                </a:solidFill>
-              </a14:hiddenFill>
-            </a:ext>
-          </a:extLst>
-        </p:spPr>
-      </p:pic>
-      <p:pic>
-        <p:nvPicPr>
-          <p:cNvPr id="5" name="Picture 4" descr="C# Corner">
-            <a:extLst>
-              <a:ext uri="{FF2B5EF4-FFF2-40B4-BE49-F238E27FC236}">
-                <a16:creationId xmlns:a16="http://schemas.microsoft.com/office/drawing/2014/main" id="{BA38DE31-0B59-44CC-B670-0AEC53CBF979}"/>
-              </a:ext>
-            </a:extLst>
-          </p:cNvPr>
-          <p:cNvPicPr>
-            <a:picLocks noChangeAspect="1" noChangeArrowheads="1"/>
-          </p:cNvPicPr>
-          <p:nvPr/>
-        </p:nvPicPr>
-        <p:blipFill>
-          <a:blip r:embed="rId6">
-            <a:extLst>
-              <a:ext uri="{28A0092B-C50C-407E-A947-70E740481C1C}">
-                <a14:useLocalDpi xmlns:a14="http://schemas.microsoft.com/office/drawing/2010/main" val="0"/>
-              </a:ext>
-            </a:extLst>
-          </a:blip>
-          <a:srcRect/>
-          <a:stretch>
-            <a:fillRect/>
-          </a:stretch>
-        </p:blipFill>
-        <p:spPr bwMode="auto">
-          <a:xfrm>
-            <a:off x="20176436" y="12696629"/>
-            <a:ext cx="3924490" cy="800596"/>
-          </a:xfrm>
-          <a:prstGeom prst="rect">
-            <a:avLst/>
-          </a:prstGeom>
-          <a:noFill/>
-          <a:extLst>
-            <a:ext uri="{909E8E84-426E-40DD-AFC4-6F175D3DCCD1}">
-              <a14:hiddenFill xmlns:a14="http://schemas.microsoft.com/office/drawing/2010/main">
-                <a:solidFill>
-                  <a:srgbClr val="FFFFFF"/>
-                </a:solidFill>
-              </a14:hiddenFill>
-            </a:ext>
-          </a:extLst>
-        </p:spPr>
-      </p:pic>
-      <p:pic>
-        <p:nvPicPr>
-          <p:cNvPr id="7" name="Picture 6" descr="A picture containing drawing, plate&#10;&#10;Description automatically generated">
-            <a:extLst>
-              <a:ext uri="{FF2B5EF4-FFF2-40B4-BE49-F238E27FC236}">
-                <a16:creationId xmlns:a16="http://schemas.microsoft.com/office/drawing/2014/main" id="{294B1C79-DC54-467F-85CE-C5E4D1B4FD1E}"/>
-              </a:ext>
-            </a:extLst>
-          </p:cNvPr>
-          <p:cNvPicPr>
-            <a:picLocks noChangeAspect="1"/>
-          </p:cNvPicPr>
-          <p:nvPr/>
-        </p:nvPicPr>
-        <p:blipFill>
-          <a:blip r:embed="rId7">
-            <a:extLst>
-              <a:ext uri="{28A0092B-C50C-407E-A947-70E740481C1C}">
-                <a14:useLocalDpi xmlns:a14="http://schemas.microsoft.com/office/drawing/2010/main" val="0"/>
-              </a:ext>
-            </a:extLst>
-          </a:blip>
-          <a:stretch>
-            <a:fillRect/>
-          </a:stretch>
-        </p:blipFill>
-        <p:spPr>
-          <a:xfrm>
-            <a:off x="3970707" y="7109926"/>
-            <a:ext cx="7294986" cy="2596521"/>
-          </a:xfrm>
-          <a:prstGeom prst="rect">
-            <a:avLst/>
-          </a:prstGeom>
-        </p:spPr>
-      </p:pic>
-      <p:pic>
-        <p:nvPicPr>
-          <p:cNvPr id="29698" name="Picture 2" descr="007LogoXSmall">
-            <a:extLst>
-              <a:ext uri="{FF2B5EF4-FFF2-40B4-BE49-F238E27FC236}">
-                <a16:creationId xmlns:a16="http://schemas.microsoft.com/office/drawing/2014/main" id="{7EB558E5-A2C3-4A0E-BC65-3162CCC5F7E7}"/>
-              </a:ext>
-            </a:extLst>
-          </p:cNvPr>
-          <p:cNvPicPr>
-            <a:picLocks noChangeAspect="1" noChangeArrowheads="1"/>
-          </p:cNvPicPr>
-          <p:nvPr/>
-        </p:nvPicPr>
-        <p:blipFill>
-          <a:blip r:embed="rId8">
-            <a:extLst>
-              <a:ext uri="{28A0092B-C50C-407E-A947-70E740481C1C}">
-                <a14:useLocalDpi xmlns:a14="http://schemas.microsoft.com/office/drawing/2010/main" val="0"/>
-              </a:ext>
-            </a:extLst>
-          </a:blip>
-          <a:srcRect/>
-          <a:stretch>
-            <a:fillRect/>
-          </a:stretch>
-        </p:blipFill>
-        <p:spPr bwMode="auto">
-          <a:xfrm>
-            <a:off x="15552255" y="6222723"/>
-            <a:ext cx="4425398" cy="4370929"/>
-          </a:xfrm>
-          <a:prstGeom prst="rect">
-            <a:avLst/>
-          </a:prstGeom>
-          <a:noFill/>
-          <a:extLst>
-            <a:ext uri="{909E8E84-426E-40DD-AFC4-6F175D3DCCD1}">
-              <a14:hiddenFill xmlns:a14="http://schemas.microsoft.com/office/drawing/2010/main">
-                <a:solidFill>
-                  <a:srgbClr val="FFFFFF"/>
-                </a:solidFill>
-              </a14:hiddenFill>
-            </a:ext>
-          </a:extLst>
-        </p:spPr>
-      </p:pic>
     </p:spTree>
     <p:extLst>
       <p:ext uri="{BB962C8B-B14F-4D97-AF65-F5344CB8AC3E}">
-        <p14:creationId xmlns:p14="http://schemas.microsoft.com/office/powerpoint/2010/main" val="2844455920"/>
+        <p14:creationId xmlns:p14="http://schemas.microsoft.com/office/powerpoint/2010/main" val="3744783766"/>
       </p:ext>
     </p:extLst>
   </p:cSld>
@@ -30567,7 +30746,7 @@
             <a:graphicData uri="http://schemas.openxmlformats.org/presentationml/2006/ole">
               <mc:AlternateContent xmlns:mc="http://schemas.openxmlformats.org/markup-compatibility/2006">
                 <mc:Choice xmlns:v="urn:schemas-microsoft-com:vml" Requires="v">
-                  <p:oleObj spid="_x0000_s28809" name="Chart" r:id="rId3" imgW="8180156" imgH="8180156" progId="Excel.Chart.8">
+                  <p:oleObj spid="_x0000_s28859" name="Chart" r:id="rId3" imgW="8180156" imgH="8180156" progId="Excel.Chart.8">
                     <p:embed/>
                   </p:oleObj>
                 </mc:Choice>
@@ -30721,7 +30900,7 @@
             <a:graphicData uri="http://schemas.openxmlformats.org/presentationml/2006/ole">
               <mc:AlternateContent xmlns:mc="http://schemas.openxmlformats.org/markup-compatibility/2006">
                 <mc:Choice xmlns:v="urn:schemas-microsoft-com:vml" Requires="v">
-                  <p:oleObj spid="_x0000_s28810" name="Chart" r:id="rId5" imgW="6607518" imgH="6607518" progId="Excel.Chart.8">
+                  <p:oleObj spid="_x0000_s28860" name="Chart" r:id="rId5" imgW="6607518" imgH="6607518" progId="Excel.Chart.8">
                     <p:embed/>
                   </p:oleObj>
                 </mc:Choice>
@@ -30875,7 +31054,7 @@
             <a:graphicData uri="http://schemas.openxmlformats.org/presentationml/2006/ole">
               <mc:AlternateContent xmlns:mc="http://schemas.openxmlformats.org/markup-compatibility/2006">
                 <mc:Choice xmlns:v="urn:schemas-microsoft-com:vml" Requires="v">
-                  <p:oleObj spid="_x0000_s28811" name="Chart" r:id="rId7" imgW="5022689" imgH="5022689" progId="Excel.Chart.8">
+                  <p:oleObj spid="_x0000_s28861" name="Chart" r:id="rId7" imgW="5022689" imgH="5022689" progId="Excel.Chart.8">
                     <p:embed/>
                   </p:oleObj>
                 </mc:Choice>
@@ -31029,7 +31208,7 @@
             <a:graphicData uri="http://schemas.openxmlformats.org/presentationml/2006/ole">
               <mc:AlternateContent xmlns:mc="http://schemas.openxmlformats.org/markup-compatibility/2006">
                 <mc:Choice xmlns:v="urn:schemas-microsoft-com:vml" Requires="v">
-                  <p:oleObj spid="_x0000_s28812" name="Chart" r:id="rId9" imgW="3443955" imgH="3450051" progId="Excel.Chart.8">
+                  <p:oleObj spid="_x0000_s28862" name="Chart" r:id="rId9" imgW="3443955" imgH="3450051" progId="Excel.Chart.8">
                     <p:embed/>
                   </p:oleObj>
                 </mc:Choice>
@@ -31183,7 +31362,7 @@
             <a:graphicData uri="http://schemas.openxmlformats.org/presentationml/2006/ole">
               <mc:AlternateContent xmlns:mc="http://schemas.openxmlformats.org/markup-compatibility/2006">
                 <mc:Choice xmlns:v="urn:schemas-microsoft-com:vml" Requires="v">
-                  <p:oleObj spid="_x0000_s28813" name="Chart" r:id="rId11" imgW="1871317" imgH="1871317" progId="Excel.Chart.8">
+                  <p:oleObj spid="_x0000_s28863" name="Chart" r:id="rId11" imgW="1871317" imgH="1871317" progId="Excel.Chart.8">
                     <p:embed/>
                   </p:oleObj>
                 </mc:Choice>
@@ -34706,8 +34885,8 @@
         </p:nvSpPr>
         <p:spPr>
           <a:xfrm>
-            <a:off x="533400" y="1982057"/>
-            <a:ext cx="23317200" cy="11346632"/>
+            <a:off x="533400" y="1625223"/>
+            <a:ext cx="23317200" cy="12316128"/>
           </a:xfrm>
           <a:prstGeom prst="rect">
             <a:avLst/>
@@ -34870,6 +35049,44 @@
                 <a:spcPct val="150000"/>
               </a:lnSpc>
             </a:pPr>
+            <a:r>
+              <a:rPr lang="en-US" sz="5400" dirty="0">
+                <a:solidFill>
+                  <a:srgbClr val="222222"/>
+                </a:solidFill>
+                <a:latin typeface="Arial" panose="020B0604020202020204" pitchFamily="34" charset="0"/>
+              </a:rPr>
+              <a:t>Note: Same for</a:t>
+            </a:r>
+            <a:r>
+              <a:rPr lang="en-US" sz="5400" baseline="0" dirty="0">
+                <a:solidFill>
+                  <a:srgbClr val="222222"/>
+                </a:solidFill>
+                <a:latin typeface="Arial" panose="020B0604020202020204" pitchFamily="34" charset="0"/>
+              </a:rPr>
+              <a:t> </a:t>
+            </a:r>
+            <a:r>
+              <a:rPr lang="en-US" sz="5400" b="1" dirty="0" err="1">
+                <a:solidFill>
+                  <a:srgbClr val="222222"/>
+                </a:solidFill>
+                <a:latin typeface="Arial" panose="020B0604020202020204" pitchFamily="34" charset="0"/>
+              </a:rPr>
+              <a:t>PoshRSJob</a:t>
+            </a:r>
+            <a:r>
+              <a:rPr lang="en-US" sz="5400" dirty="0">
+                <a:solidFill>
+                  <a:srgbClr val="222222"/>
+                </a:solidFill>
+                <a:latin typeface="Arial" panose="020B0604020202020204" pitchFamily="34" charset="0"/>
+              </a:rPr>
+              <a:t> PowerShell module</a:t>
+            </a:r>
+          </a:p>
+          <a:p>
             <a:endParaRPr lang="en-US" sz="5400" dirty="0">
               <a:solidFill>
                 <a:srgbClr val="222222"/>
@@ -35344,7 +35561,7 @@
                                         <p:tgtEl>
                                           <p:spTgt spid="2">
                                             <p:txEl>
-                                              <p:pRg st="9" end="9"/>
+                                              <p:pRg st="8" end="8"/>
                                             </p:txEl>
                                           </p:spTgt>
                                         </p:tgtEl>
@@ -35492,6 +35709,55 @@
                                           <p:spTgt spid="2">
                                             <p:txEl>
                                               <p:pRg st="12" end="12"/>
+                                            </p:txEl>
+                                          </p:spTgt>
+                                        </p:tgtEl>
+                                        <p:attrNameLst>
+                                          <p:attrName>style.visibility</p:attrName>
+                                        </p:attrNameLst>
+                                      </p:cBhvr>
+                                      <p:to>
+                                        <p:strVal val="visible"/>
+                                      </p:to>
+                                    </p:set>
+                                  </p:childTnLst>
+                                </p:cTn>
+                              </p:par>
+                            </p:childTnLst>
+                          </p:cTn>
+                        </p:par>
+                      </p:childTnLst>
+                    </p:cTn>
+                  </p:par>
+                  <p:par>
+                    <p:cTn id="47" fill="hold">
+                      <p:stCondLst>
+                        <p:cond delay="indefinite"/>
+                      </p:stCondLst>
+                      <p:childTnLst>
+                        <p:par>
+                          <p:cTn id="48" fill="hold">
+                            <p:stCondLst>
+                              <p:cond delay="0"/>
+                            </p:stCondLst>
+                            <p:childTnLst>
+                              <p:par>
+                                <p:cTn id="49" presetID="1" presetClass="entr" presetSubtype="0" fill="hold" nodeType="clickEffect">
+                                  <p:stCondLst>
+                                    <p:cond delay="0"/>
+                                  </p:stCondLst>
+                                  <p:childTnLst>
+                                    <p:set>
+                                      <p:cBhvr>
+                                        <p:cTn id="50" dur="1" fill="hold">
+                                          <p:stCondLst>
+                                            <p:cond delay="0"/>
+                                          </p:stCondLst>
+                                        </p:cTn>
+                                        <p:tgtEl>
+                                          <p:spTgt spid="2">
+                                            <p:txEl>
+                                              <p:pRg st="13" end="13"/>
                                             </p:txEl>
                                           </p:spTgt>
                                         </p:tgtEl>
@@ -44916,15 +45182,6 @@
 </file>
 
 <file path=customXml/item1.xml><?xml version="1.0" encoding="utf-8"?>
-<?mso-contentType ?>
-<FormTemplates xmlns="http://schemas.microsoft.com/sharepoint/v3/contenttype/forms">
-  <Display>DocumentLibraryForm</Display>
-  <Edit>DocumentLibraryForm</Edit>
-  <New>DocumentLibraryForm</New>
-</FormTemplates>
-</file>
-
-<file path=customXml/item2.xml><?xml version="1.0" encoding="utf-8"?>
 <ct:contentTypeSchema xmlns:ct="http://schemas.microsoft.com/office/2006/metadata/contentType" xmlns:ma="http://schemas.microsoft.com/office/2006/metadata/properties/metaAttributes" ct:_="" ma:_="" ma:contentTypeName="Document" ma:contentTypeID="0x010100A1492730AB177845ACD01A077779694D" ma:contentTypeVersion="7" ma:contentTypeDescription="Create a new document." ma:contentTypeScope="" ma:versionID="cbdd09dfb042b6ea19c8eaddb6c3180a">
   <xsd:schema xmlns:xsd="http://www.w3.org/2001/XMLSchema" xmlns:xs="http://www.w3.org/2001/XMLSchema" xmlns:p="http://schemas.microsoft.com/office/2006/metadata/properties" xmlns:ns2="0bc3cd66-eb77-4078-8218-677d32e8129e" targetNamespace="http://schemas.microsoft.com/office/2006/metadata/properties" ma:root="true" ma:fieldsID="1a7482df3aa6a998dd4a062b531d7774" ns2:_="">
     <xsd:import namespace="0bc3cd66-eb77-4078-8218-677d32e8129e"/>
@@ -45088,6 +45345,15 @@
 </ct:contentTypeSchema>
 </file>
 
+<file path=customXml/item2.xml><?xml version="1.0" encoding="utf-8"?>
+<?mso-contentType ?>
+<FormTemplates xmlns="http://schemas.microsoft.com/sharepoint/v3/contenttype/forms">
+  <Display>DocumentLibraryForm</Display>
+  <Edit>DocumentLibraryForm</Edit>
+  <New>DocumentLibraryForm</New>
+</FormTemplates>
+</file>
+
 <file path=customXml/item3.xml><?xml version="1.0" encoding="utf-8"?>
 <p:properties xmlns:p="http://schemas.microsoft.com/office/2006/metadata/properties" xmlns:xsi="http://www.w3.org/2001/XMLSchema-instance" xmlns:pc="http://schemas.microsoft.com/office/infopath/2007/PartnerControls">
   <documentManagement/>
@@ -45095,14 +45361,6 @@
 </file>
 
 <file path=customXml/itemProps1.xml><?xml version="1.0" encoding="utf-8"?>
-<ds:datastoreItem xmlns:ds="http://schemas.openxmlformats.org/officeDocument/2006/customXml" ds:itemID="{133E4BEB-AD77-49FC-BA46-65EF58ADF959}">
-  <ds:schemaRefs>
-    <ds:schemaRef ds:uri="http://schemas.microsoft.com/sharepoint/v3/contenttype/forms"/>
-  </ds:schemaRefs>
-</ds:datastoreItem>
-</file>
-
-<file path=customXml/itemProps2.xml><?xml version="1.0" encoding="utf-8"?>
 <ds:datastoreItem xmlns:ds="http://schemas.openxmlformats.org/officeDocument/2006/customXml" ds:itemID="{2AD5C2AD-9607-4909-8C71-DC917726B57B}">
   <ds:schemaRefs>
     <ds:schemaRef ds:uri="http://schemas.microsoft.com/office/2006/metadata/contentType"/>
@@ -45120,6 +45378,14 @@
 </ds:datastoreItem>
 </file>
 
+<file path=customXml/itemProps2.xml><?xml version="1.0" encoding="utf-8"?>
+<ds:datastoreItem xmlns:ds="http://schemas.openxmlformats.org/officeDocument/2006/customXml" ds:itemID="{133E4BEB-AD77-49FC-BA46-65EF58ADF959}">
+  <ds:schemaRefs>
+    <ds:schemaRef ds:uri="http://schemas.microsoft.com/sharepoint/v3/contenttype/forms"/>
+  </ds:schemaRefs>
+</ds:datastoreItem>
+</file>
+
 <file path=customXml/itemProps3.xml><?xml version="1.0" encoding="utf-8"?>
 <ds:datastoreItem xmlns:ds="http://schemas.openxmlformats.org/officeDocument/2006/customXml" ds:itemID="{4D5F995D-64C7-4461-A2B5-E66FD03F8D8A}">
   <ds:schemaRefs>
